--- a/TeamReportSlides/Group-3/Team3ReportW8.20171114.pptx
+++ b/TeamReportSlides/Group-3/Team3ReportW8.20171114.pptx
@@ -5,7 +5,7 @@
     <p:sldMasterId id="2147483648" r:id="rId1"/>
   </p:sldMasterIdLst>
   <p:notesMasterIdLst>
-    <p:notesMasterId r:id="rId11"/>
+    <p:notesMasterId r:id="rId12"/>
   </p:notesMasterIdLst>
   <p:sldIdLst>
     <p:sldId id="310" r:id="rId2"/>
@@ -16,7 +16,8 @@
     <p:sldId id="315" r:id="rId7"/>
     <p:sldId id="317" r:id="rId8"/>
     <p:sldId id="318" r:id="rId9"/>
-    <p:sldId id="311" r:id="rId10"/>
+    <p:sldId id="319" r:id="rId10"/>
+    <p:sldId id="311" r:id="rId11"/>
   </p:sldIdLst>
   <p:sldSz cx="9144000" cy="5143500" type="screen16x9"/>
   <p:notesSz cx="6858000" cy="9144000"/>
@@ -2207,6 +2208,309 @@
               <a:t>樊钰、丁扬、黄磊、刘晏铭</a:t>
             </a:r>
             <a:endParaRPr kumimoji="0" lang="zh-CN" altLang="en-US" sz="1600" b="0" i="0" u="none" strike="noStrike" kern="1200" cap="none" spc="0" normalizeH="0" baseline="0" noProof="0" dirty="0">
+              <a:ln>
+                <a:noFill/>
+              </a:ln>
+              <a:solidFill>
+                <a:schemeClr val="accent3"/>
+              </a:solidFill>
+              <a:effectLst/>
+              <a:uLnTx/>
+              <a:uFillTx/>
+              <a:latin typeface="方正兰亭细黑_GBK" panose="02000000000000000000" pitchFamily="2" charset="-122"/>
+              <a:ea typeface="方正兰亭细黑_GBK" panose="02000000000000000000" pitchFamily="2" charset="-122"/>
+              <a:cs typeface="+mn-cs"/>
+            </a:endParaRPr>
+          </a:p>
+        </p:txBody>
+      </p:sp>
+    </p:spTree>
+  </p:cSld>
+  <p:clrMapOvr>
+    <a:masterClrMapping/>
+  </p:clrMapOvr>
+  <p:transition spd="slow"/>
+</p:sld>
+</file>
+
+<file path=ppt/slides/slide10.xml><?xml version="1.0" encoding="utf-8"?>
+<p:sld xmlns:a="http://schemas.openxmlformats.org/drawingml/2006/main" xmlns:r="http://schemas.openxmlformats.org/officeDocument/2006/relationships" xmlns:p="http://schemas.openxmlformats.org/presentationml/2006/main">
+  <p:cSld>
+    <p:spTree>
+      <p:nvGrpSpPr>
+        <p:cNvPr id="1" name=""/>
+        <p:cNvGrpSpPr/>
+        <p:nvPr/>
+      </p:nvGrpSpPr>
+      <p:grpSpPr>
+        <a:xfrm>
+          <a:off x="0" y="0"/>
+          <a:ext cx="0" cy="0"/>
+          <a:chOff x="0" y="0"/>
+          <a:chExt cx="0" cy="0"/>
+        </a:xfrm>
+      </p:grpSpPr>
+      <p:pic>
+        <p:nvPicPr>
+          <p:cNvPr id="36866" name="图片 5"/>
+          <p:cNvPicPr>
+            <a:picLocks noChangeAspect="1"/>
+          </p:cNvPicPr>
+          <p:nvPr/>
+        </p:nvPicPr>
+        <p:blipFill>
+          <a:blip r:embed="rId2"/>
+          <a:stretch>
+            <a:fillRect/>
+          </a:stretch>
+        </p:blipFill>
+        <p:spPr>
+          <a:xfrm>
+            <a:off x="1893888" y="0"/>
+            <a:ext cx="5356225" cy="5143500"/>
+          </a:xfrm>
+          <a:prstGeom prst="rect">
+            <a:avLst/>
+          </a:prstGeom>
+          <a:noFill/>
+          <a:ln w="9525">
+            <a:noFill/>
+          </a:ln>
+        </p:spPr>
+      </p:pic>
+      <p:sp>
+        <p:nvSpPr>
+          <p:cNvPr id="7" name="文本框 6"/>
+          <p:cNvSpPr txBox="1"/>
+          <p:nvPr/>
+        </p:nvSpPr>
+        <p:spPr>
+          <a:xfrm>
+            <a:off x="3657600" y="1504950"/>
+            <a:ext cx="1828800" cy="1569660"/>
+          </a:xfrm>
+          <a:prstGeom prst="rect">
+            <a:avLst/>
+          </a:prstGeom>
+          <a:noFill/>
+        </p:spPr>
+        <p:txBody>
+          <a:bodyPr wrap="square" rtlCol="0">
+            <a:spAutoFit/>
+          </a:bodyPr>
+          <a:lstStyle/>
+          <a:p>
+            <a:pPr marL="0" marR="0" lvl="0" indent="0" algn="ctr" defTabSz="685800" rtl="0" eaLnBrk="1" fontAlgn="auto" latinLnBrk="0" hangingPunct="1">
+              <a:lnSpc>
+                <a:spcPct val="100000"/>
+              </a:lnSpc>
+              <a:spcBef>
+                <a:spcPts val="0"/>
+              </a:spcBef>
+              <a:spcAft>
+                <a:spcPts val="0"/>
+              </a:spcAft>
+              <a:buClrTx/>
+              <a:buSzTx/>
+              <a:buFontTx/>
+              <a:buNone/>
+              <a:defRPr/>
+            </a:pPr>
+            <a:r>
+              <a:rPr kumimoji="0" lang="en-US" altLang="zh-CN" sz="2400" b="0" i="0" u="none" strike="noStrike" kern="1200" cap="none" spc="300" normalizeH="0" baseline="0" noProof="0" dirty="0" smtClean="0">
+                <a:ln>
+                  <a:noFill/>
+                </a:ln>
+                <a:solidFill>
+                  <a:schemeClr val="accent3"/>
+                </a:solidFill>
+                <a:effectLst/>
+                <a:uLnTx/>
+                <a:uFillTx/>
+                <a:latin typeface="Impact" panose="020B0806030902050204" pitchFamily="34" charset="0"/>
+                <a:ea typeface="+mn-ea"/>
+                <a:cs typeface="+mn-cs"/>
+              </a:rPr>
+              <a:t>Thanks</a:t>
+            </a:r>
+          </a:p>
+          <a:p>
+            <a:pPr marL="0" marR="0" lvl="0" indent="0" algn="ctr" defTabSz="685800" rtl="0" eaLnBrk="1" fontAlgn="auto" latinLnBrk="0" hangingPunct="1">
+              <a:lnSpc>
+                <a:spcPct val="100000"/>
+              </a:lnSpc>
+              <a:spcBef>
+                <a:spcPts val="0"/>
+              </a:spcBef>
+              <a:spcAft>
+                <a:spcPts val="0"/>
+              </a:spcAft>
+              <a:buClrTx/>
+              <a:buSzTx/>
+              <a:buFontTx/>
+              <a:buNone/>
+              <a:defRPr/>
+            </a:pPr>
+            <a:r>
+              <a:rPr kumimoji="0" lang="en-US" altLang="zh-CN" sz="2400" b="0" i="0" u="none" strike="noStrike" kern="1200" cap="none" spc="300" normalizeH="0" baseline="0" noProof="0" dirty="0" smtClean="0">
+                <a:ln>
+                  <a:noFill/>
+                </a:ln>
+                <a:solidFill>
+                  <a:schemeClr val="accent3"/>
+                </a:solidFill>
+                <a:effectLst/>
+                <a:uLnTx/>
+                <a:uFillTx/>
+                <a:latin typeface="Impact" panose="020B0806030902050204" pitchFamily="34" charset="0"/>
+                <a:ea typeface="+mn-ea"/>
+                <a:cs typeface="+mn-cs"/>
+              </a:rPr>
+              <a:t>For</a:t>
+            </a:r>
+          </a:p>
+          <a:p>
+            <a:pPr marL="0" marR="0" lvl="0" indent="0" algn="ctr" defTabSz="685800" rtl="0" eaLnBrk="1" fontAlgn="auto" latinLnBrk="0" hangingPunct="1">
+              <a:lnSpc>
+                <a:spcPct val="100000"/>
+              </a:lnSpc>
+              <a:spcBef>
+                <a:spcPts val="0"/>
+              </a:spcBef>
+              <a:spcAft>
+                <a:spcPts val="0"/>
+              </a:spcAft>
+              <a:buClrTx/>
+              <a:buSzTx/>
+              <a:buFontTx/>
+              <a:buNone/>
+              <a:defRPr/>
+            </a:pPr>
+            <a:r>
+              <a:rPr kumimoji="0" lang="en-US" altLang="zh-CN" sz="2400" b="0" i="0" u="none" strike="noStrike" kern="1200" cap="none" spc="300" normalizeH="0" baseline="0" noProof="0" dirty="0" smtClean="0">
+                <a:ln>
+                  <a:noFill/>
+                </a:ln>
+                <a:solidFill>
+                  <a:schemeClr val="accent3"/>
+                </a:solidFill>
+                <a:effectLst/>
+                <a:uLnTx/>
+                <a:uFillTx/>
+                <a:latin typeface="Impact" panose="020B0806030902050204" pitchFamily="34" charset="0"/>
+                <a:ea typeface="+mn-ea"/>
+                <a:cs typeface="+mn-cs"/>
+              </a:rPr>
+              <a:t>Your</a:t>
+            </a:r>
+          </a:p>
+          <a:p>
+            <a:pPr marL="0" marR="0" lvl="0" indent="0" algn="ctr" defTabSz="685800" rtl="0" eaLnBrk="1" fontAlgn="auto" latinLnBrk="0" hangingPunct="1">
+              <a:lnSpc>
+                <a:spcPct val="100000"/>
+              </a:lnSpc>
+              <a:spcBef>
+                <a:spcPts val="0"/>
+              </a:spcBef>
+              <a:spcAft>
+                <a:spcPts val="0"/>
+              </a:spcAft>
+              <a:buClrTx/>
+              <a:buSzTx/>
+              <a:buFontTx/>
+              <a:buNone/>
+              <a:defRPr/>
+            </a:pPr>
+            <a:r>
+              <a:rPr kumimoji="0" lang="en-US" altLang="zh-CN" sz="2400" b="0" i="0" u="none" strike="noStrike" kern="1200" cap="none" spc="300" normalizeH="0" baseline="0" noProof="0" dirty="0" smtClean="0">
+                <a:ln>
+                  <a:noFill/>
+                </a:ln>
+                <a:solidFill>
+                  <a:schemeClr val="accent3"/>
+                </a:solidFill>
+                <a:effectLst/>
+                <a:uLnTx/>
+                <a:uFillTx/>
+                <a:latin typeface="Impact" panose="020B0806030902050204" pitchFamily="34" charset="0"/>
+                <a:ea typeface="+mn-ea"/>
+                <a:cs typeface="+mn-cs"/>
+              </a:rPr>
+              <a:t>Attention</a:t>
+            </a:r>
+            <a:endParaRPr kumimoji="0" lang="zh-CN" altLang="en-US" sz="5400" b="0" i="0" u="none" strike="noStrike" kern="1200" cap="none" spc="300" normalizeH="0" baseline="0" noProof="0" dirty="0">
+              <a:ln>
+                <a:noFill/>
+              </a:ln>
+              <a:solidFill>
+                <a:schemeClr val="accent3"/>
+              </a:solidFill>
+              <a:effectLst/>
+              <a:uLnTx/>
+              <a:uFillTx/>
+              <a:latin typeface="Impact" panose="020B0806030902050204" pitchFamily="34" charset="0"/>
+              <a:ea typeface="+mn-ea"/>
+              <a:cs typeface="+mn-cs"/>
+            </a:endParaRPr>
+          </a:p>
+        </p:txBody>
+      </p:sp>
+      <p:sp>
+        <p:nvSpPr>
+          <p:cNvPr id="8" name="文本框 7"/>
+          <p:cNvSpPr txBox="1"/>
+          <p:nvPr/>
+        </p:nvSpPr>
+        <p:spPr>
+          <a:xfrm>
+            <a:off x="3200400" y="2870200"/>
+            <a:ext cx="2714625" cy="584200"/>
+          </a:xfrm>
+          <a:prstGeom prst="rect">
+            <a:avLst/>
+          </a:prstGeom>
+          <a:noFill/>
+        </p:spPr>
+        <p:txBody>
+          <a:bodyPr wrap="square" rtlCol="0">
+            <a:spAutoFit/>
+          </a:bodyPr>
+          <a:lstStyle/>
+          <a:p>
+            <a:pPr marL="0" marR="0" lvl="0" indent="0" algn="ctr" defTabSz="685800" rtl="0" eaLnBrk="1" fontAlgn="auto" latinLnBrk="0" hangingPunct="1">
+              <a:lnSpc>
+                <a:spcPct val="100000"/>
+              </a:lnSpc>
+              <a:spcBef>
+                <a:spcPts val="0"/>
+              </a:spcBef>
+              <a:spcAft>
+                <a:spcPts val="0"/>
+              </a:spcAft>
+              <a:buClrTx/>
+              <a:buSzTx/>
+              <a:buFontTx/>
+              <a:buNone/>
+              <a:defRPr/>
+            </a:pPr>
+            <a:r>
+              <a:rPr kumimoji="0" lang="zh-CN" altLang="en-US" sz="3200" b="0" i="0" u="none" strike="noStrike" kern="1200" cap="none" spc="0" normalizeH="0" baseline="0" noProof="0" dirty="0" smtClean="0">
+                <a:ln>
+                  <a:noFill/>
+                </a:ln>
+                <a:solidFill>
+                  <a:schemeClr val="accent3"/>
+                </a:solidFill>
+                <a:effectLst/>
+                <a:uLnTx/>
+                <a:uFillTx/>
+                <a:latin typeface="方正兰亭细黑_GBK" panose="02000000000000000000" pitchFamily="2" charset="-122"/>
+                <a:ea typeface="方正兰亭细黑_GBK" panose="02000000000000000000" pitchFamily="2" charset="-122"/>
+                <a:cs typeface="+mn-cs"/>
+              </a:rPr>
+              <a:t>感谢您的聆听</a:t>
+            </a:r>
+            <a:endParaRPr kumimoji="0" lang="zh-CN" altLang="en-US" sz="3200" b="0" i="0" u="none" strike="noStrike" kern="1200" cap="none" spc="0" normalizeH="0" baseline="0" noProof="0" dirty="0">
               <a:ln>
                 <a:noFill/>
               </a:ln>
@@ -3238,14 +3542,7 @@
                 <a:latin typeface="微软雅黑" pitchFamily="34" charset="-122"/>
                 <a:ea typeface="微软雅黑" pitchFamily="34" charset="-122"/>
               </a:rPr>
-              <a:t>小组协作框架建立后</a:t>
-            </a:r>
-            <a:r>
-              <a:rPr lang="zh-CN" altLang="en-US" sz="1050" dirty="0" smtClean="0">
-                <a:latin typeface="微软雅黑" pitchFamily="34" charset="-122"/>
-                <a:ea typeface="微软雅黑" pitchFamily="34" charset="-122"/>
-              </a:rPr>
-              <a:t>第二周</a:t>
+              <a:t>小组协作框架建立后第二周</a:t>
             </a:r>
             <a:endParaRPr lang="en-US" altLang="zh-CN" sz="1050" dirty="0" smtClean="0">
               <a:latin typeface="微软雅黑" pitchFamily="34" charset="-122"/>
@@ -3489,15 +3786,7 @@
                 <a:ea typeface="微软雅黑" pitchFamily="34" charset="-122"/>
                 <a:cs typeface="黑体"/>
               </a:rPr>
-              <a:t>日</a:t>
-            </a:r>
-            <a:r>
-              <a:rPr lang="zh-CN" altLang="en-US" sz="1200" dirty="0" smtClean="0">
-                <a:latin typeface="微软雅黑" pitchFamily="34" charset="-122"/>
-                <a:ea typeface="微软雅黑" pitchFamily="34" charset="-122"/>
-                <a:cs typeface="黑体"/>
-              </a:rPr>
-              <a:t>课后时间</a:t>
+              <a:t>日课后时间</a:t>
             </a:r>
             <a:endParaRPr lang="en-US" altLang="zh-CN" sz="1200" dirty="0" smtClean="0">
               <a:latin typeface="微软雅黑" pitchFamily="34" charset="-122"/>
@@ -3629,21 +3918,7 @@
                 <a:latin typeface="微软雅黑" pitchFamily="34" charset="-122"/>
                 <a:cs typeface="黑体"/>
               </a:rPr>
-              <a:t>目标</a:t>
-            </a:r>
-            <a:r>
-              <a:rPr lang="zh-CN" altLang="en-US" sz="1100" dirty="0" smtClean="0">
-                <a:latin typeface="微软雅黑" pitchFamily="34" charset="-122"/>
-                <a:cs typeface="黑体"/>
-              </a:rPr>
-              <a:t>：继续熟悉</a:t>
-            </a:r>
-            <a:r>
-              <a:rPr lang="zh-CN" altLang="en-US" sz="1100" dirty="0" smtClean="0">
-                <a:latin typeface="微软雅黑" pitchFamily="34" charset="-122"/>
-                <a:cs typeface="黑体"/>
-              </a:rPr>
-              <a:t>小组协作框架</a:t>
+              <a:t>目标：继续熟悉小组协作框架</a:t>
             </a:r>
             <a:endParaRPr lang="en-US" altLang="zh-CN" sz="1100" dirty="0" smtClean="0">
               <a:latin typeface="微软雅黑" pitchFamily="34" charset="-122"/>
@@ -5299,55 +5574,50 @@
       </p:grpSpPr>
       <p:pic>
         <p:nvPicPr>
-          <p:cNvPr id="36866" name="图片 5"/>
+          <p:cNvPr id="7" name="图片 6" descr="haha7.png"/>
           <p:cNvPicPr>
             <a:picLocks noChangeAspect="1"/>
           </p:cNvPicPr>
           <p:nvPr/>
         </p:nvPicPr>
         <p:blipFill>
-          <a:blip r:embed="rId2"/>
+          <a:blip r:embed="rId3"/>
           <a:stretch>
             <a:fillRect/>
           </a:stretch>
         </p:blipFill>
         <p:spPr>
           <a:xfrm>
-            <a:off x="1893888" y="0"/>
-            <a:ext cx="5356225" cy="5143500"/>
+            <a:off x="838893" y="774699"/>
+            <a:ext cx="6730307" cy="4383043"/>
           </a:xfrm>
           <a:prstGeom prst="rect">
             <a:avLst/>
           </a:prstGeom>
-          <a:noFill/>
-          <a:ln w="9525">
-            <a:noFill/>
-          </a:ln>
         </p:spPr>
       </p:pic>
       <p:sp>
         <p:nvSpPr>
-          <p:cNvPr id="7" name="文本框 6"/>
-          <p:cNvSpPr txBox="1"/>
+          <p:cNvPr id="16" name="矩形 15"/>
+          <p:cNvSpPr/>
           <p:nvPr/>
         </p:nvSpPr>
         <p:spPr>
           <a:xfrm>
-            <a:off x="3657600" y="1504950"/>
-            <a:ext cx="1828800" cy="1569660"/>
+            <a:off x="971550" y="258763"/>
+            <a:ext cx="1415772" cy="461665"/>
           </a:xfrm>
           <a:prstGeom prst="rect">
             <a:avLst/>
           </a:prstGeom>
-          <a:noFill/>
         </p:spPr>
         <p:txBody>
-          <a:bodyPr wrap="square" rtlCol="0">
+          <a:bodyPr wrap="none">
             <a:spAutoFit/>
           </a:bodyPr>
           <a:lstStyle/>
           <a:p>
-            <a:pPr marL="0" marR="0" lvl="0" indent="0" algn="ctr" defTabSz="685800" rtl="0" eaLnBrk="1" fontAlgn="auto" latinLnBrk="0" hangingPunct="1">
+            <a:pPr marL="0" marR="0" lvl="0" indent="0" algn="l" defTabSz="685800" rtl="0" eaLnBrk="1" fontAlgn="auto" latinLnBrk="0" hangingPunct="1">
               <a:lnSpc>
                 <a:spcPct val="100000"/>
               </a:lnSpc>
@@ -5364,217 +5634,122 @@
               <a:defRPr/>
             </a:pPr>
             <a:r>
-              <a:rPr kumimoji="0" lang="en-US" altLang="zh-CN" sz="2400" b="0" i="0" u="none" strike="noStrike" kern="1200" cap="none" spc="300" normalizeH="0" baseline="0" noProof="0" dirty="0" smtClean="0">
-                <a:ln>
-                  <a:noFill/>
-                </a:ln>
-                <a:solidFill>
-                  <a:schemeClr val="accent3"/>
-                </a:solidFill>
-                <a:effectLst/>
-                <a:uLnTx/>
-                <a:uFillTx/>
-                <a:latin typeface="Impact" panose="020B0806030902050204" pitchFamily="34" charset="0"/>
-                <a:ea typeface="+mn-ea"/>
-                <a:cs typeface="+mn-cs"/>
+              <a:rPr lang="zh-CN" altLang="en-US" sz="2400" kern="100" dirty="0" smtClean="0">
+                <a:latin typeface="微软雅黑" panose="020B0503020204020204" pitchFamily="34" charset="-122"/>
+                <a:cs typeface="Times New Roman" panose="02020603050405020304" pitchFamily="18" charset="0"/>
               </a:rPr>
-              <a:t>Thanks</a:t>
+              <a:t>学习总结</a:t>
             </a:r>
-          </a:p>
-          <a:p>
-            <a:pPr marL="0" marR="0" lvl="0" indent="0" algn="ctr" defTabSz="685800" rtl="0" eaLnBrk="1" fontAlgn="auto" latinLnBrk="0" hangingPunct="1">
-              <a:lnSpc>
-                <a:spcPct val="100000"/>
-              </a:lnSpc>
-              <a:spcBef>
-                <a:spcPts val="0"/>
-              </a:spcBef>
-              <a:spcAft>
-                <a:spcPts val="0"/>
-              </a:spcAft>
-              <a:buClrTx/>
-              <a:buSzTx/>
-              <a:buFontTx/>
-              <a:buNone/>
-              <a:defRPr/>
-            </a:pPr>
-            <a:r>
-              <a:rPr kumimoji="0" lang="en-US" altLang="zh-CN" sz="2400" b="0" i="0" u="none" strike="noStrike" kern="1200" cap="none" spc="300" normalizeH="0" baseline="0" noProof="0" dirty="0" smtClean="0">
-                <a:ln>
-                  <a:noFill/>
-                </a:ln>
-                <a:solidFill>
-                  <a:schemeClr val="accent3"/>
-                </a:solidFill>
-                <a:effectLst/>
-                <a:uLnTx/>
-                <a:uFillTx/>
-                <a:latin typeface="Impact" panose="020B0806030902050204" pitchFamily="34" charset="0"/>
-                <a:ea typeface="+mn-ea"/>
-                <a:cs typeface="+mn-cs"/>
-              </a:rPr>
-              <a:t>For</a:t>
-            </a:r>
-          </a:p>
-          <a:p>
-            <a:pPr marL="0" marR="0" lvl="0" indent="0" algn="ctr" defTabSz="685800" rtl="0" eaLnBrk="1" fontAlgn="auto" latinLnBrk="0" hangingPunct="1">
-              <a:lnSpc>
-                <a:spcPct val="100000"/>
-              </a:lnSpc>
-              <a:spcBef>
-                <a:spcPts val="0"/>
-              </a:spcBef>
-              <a:spcAft>
-                <a:spcPts val="0"/>
-              </a:spcAft>
-              <a:buClrTx/>
-              <a:buSzTx/>
-              <a:buFontTx/>
-              <a:buNone/>
-              <a:defRPr/>
-            </a:pPr>
-            <a:r>
-              <a:rPr kumimoji="0" lang="en-US" altLang="zh-CN" sz="2400" b="0" i="0" u="none" strike="noStrike" kern="1200" cap="none" spc="300" normalizeH="0" baseline="0" noProof="0" dirty="0" smtClean="0">
-                <a:ln>
-                  <a:noFill/>
-                </a:ln>
-                <a:solidFill>
-                  <a:schemeClr val="accent3"/>
-                </a:solidFill>
-                <a:effectLst/>
-                <a:uLnTx/>
-                <a:uFillTx/>
-                <a:latin typeface="Impact" panose="020B0806030902050204" pitchFamily="34" charset="0"/>
-                <a:ea typeface="+mn-ea"/>
-                <a:cs typeface="+mn-cs"/>
-              </a:rPr>
-              <a:t>Your</a:t>
-            </a:r>
-          </a:p>
-          <a:p>
-            <a:pPr marL="0" marR="0" lvl="0" indent="0" algn="ctr" defTabSz="685800" rtl="0" eaLnBrk="1" fontAlgn="auto" latinLnBrk="0" hangingPunct="1">
-              <a:lnSpc>
-                <a:spcPct val="100000"/>
-              </a:lnSpc>
-              <a:spcBef>
-                <a:spcPts val="0"/>
-              </a:spcBef>
-              <a:spcAft>
-                <a:spcPts val="0"/>
-              </a:spcAft>
-              <a:buClrTx/>
-              <a:buSzTx/>
-              <a:buFontTx/>
-              <a:buNone/>
-              <a:defRPr/>
-            </a:pPr>
-            <a:r>
-              <a:rPr kumimoji="0" lang="en-US" altLang="zh-CN" sz="2400" b="0" i="0" u="none" strike="noStrike" kern="1200" cap="none" spc="300" normalizeH="0" baseline="0" noProof="0" dirty="0" smtClean="0">
-                <a:ln>
-                  <a:noFill/>
-                </a:ln>
-                <a:solidFill>
-                  <a:schemeClr val="accent3"/>
-                </a:solidFill>
-                <a:effectLst/>
-                <a:uLnTx/>
-                <a:uFillTx/>
-                <a:latin typeface="Impact" panose="020B0806030902050204" pitchFamily="34" charset="0"/>
-                <a:ea typeface="+mn-ea"/>
-                <a:cs typeface="+mn-cs"/>
-              </a:rPr>
-              <a:t>Attention</a:t>
-            </a:r>
-            <a:endParaRPr kumimoji="0" lang="zh-CN" altLang="en-US" sz="5400" b="0" i="0" u="none" strike="noStrike" kern="1200" cap="none" spc="300" normalizeH="0" baseline="0" noProof="0" dirty="0">
+            <a:endParaRPr kumimoji="0" lang="zh-CN" altLang="zh-CN" sz="2400" b="0" i="0" u="none" strike="noStrike" kern="100" cap="none" spc="0" normalizeH="0" baseline="0" noProof="0" dirty="0">
               <a:ln>
                 <a:noFill/>
               </a:ln>
               <a:solidFill>
-                <a:schemeClr val="accent3"/>
+                <a:schemeClr val="tx1"/>
               </a:solidFill>
               <a:effectLst/>
               <a:uLnTx/>
               <a:uFillTx/>
-              <a:latin typeface="Impact" panose="020B0806030902050204" pitchFamily="34" charset="0"/>
-              <a:ea typeface="+mn-ea"/>
-              <a:cs typeface="+mn-cs"/>
+              <a:latin typeface="微软雅黑" panose="020B0503020204020204" pitchFamily="34" charset="-122"/>
+              <a:ea typeface="微软雅黑" panose="020B0503020204020204" pitchFamily="34" charset="-122"/>
+              <a:cs typeface="Times New Roman" panose="02020603050405020304" pitchFamily="18" charset="0"/>
             </a:endParaRPr>
           </a:p>
         </p:txBody>
       </p:sp>
-      <p:sp>
-        <p:nvSpPr>
-          <p:cNvPr id="8" name="文本框 7"/>
-          <p:cNvSpPr txBox="1"/>
+      <p:grpSp>
+        <p:nvGrpSpPr>
+          <p:cNvPr id="2" name="组合 17"/>
+          <p:cNvGrpSpPr/>
           <p:nvPr/>
-        </p:nvSpPr>
-        <p:spPr>
+        </p:nvGrpSpPr>
+        <p:grpSpPr>
           <a:xfrm>
-            <a:off x="3200400" y="2870200"/>
-            <a:ext cx="2714625" cy="584200"/>
+            <a:off x="165100" y="47625"/>
+            <a:ext cx="838200" cy="842963"/>
+            <a:chOff x="165812" y="0"/>
+            <a:chExt cx="944347" cy="948732"/>
           </a:xfrm>
-          <a:prstGeom prst="rect">
-            <a:avLst/>
-          </a:prstGeom>
-          <a:noFill/>
-        </p:spPr>
-        <p:txBody>
-          <a:bodyPr wrap="square" rtlCol="0">
-            <a:spAutoFit/>
-          </a:bodyPr>
-          <a:lstStyle/>
-          <a:p>
-            <a:pPr marL="0" marR="0" lvl="0" indent="0" algn="ctr" defTabSz="685800" rtl="0" eaLnBrk="1" fontAlgn="auto" latinLnBrk="0" hangingPunct="1">
-              <a:lnSpc>
-                <a:spcPct val="100000"/>
-              </a:lnSpc>
-              <a:spcBef>
-                <a:spcPts val="0"/>
-              </a:spcBef>
-              <a:spcAft>
-                <a:spcPts val="0"/>
-              </a:spcAft>
-              <a:buClrTx/>
-              <a:buSzTx/>
-              <a:buFontTx/>
-              <a:buNone/>
-              <a:defRPr/>
-            </a:pPr>
-            <a:r>
-              <a:rPr kumimoji="0" lang="zh-CN" altLang="en-US" sz="3200" b="0" i="0" u="none" strike="noStrike" kern="1200" cap="none" spc="0" normalizeH="0" baseline="0" noProof="0" dirty="0" smtClean="0">
-                <a:ln>
-                  <a:noFill/>
-                </a:ln>
+        </p:grpSpPr>
+        <p:pic>
+          <p:nvPicPr>
+            <p:cNvPr id="11292" name="图片 18"/>
+            <p:cNvPicPr>
+              <a:picLocks noChangeAspect="1"/>
+            </p:cNvPicPr>
+            <p:nvPr/>
+          </p:nvPicPr>
+          <p:blipFill>
+            <a:blip r:embed="rId4" cstate="print"/>
+            <a:stretch>
+              <a:fillRect/>
+            </a:stretch>
+          </p:blipFill>
+          <p:spPr>
+            <a:xfrm>
+              <a:off x="165812" y="0"/>
+              <a:ext cx="944347" cy="948732"/>
+            </a:xfrm>
+            <a:prstGeom prst="rect">
+              <a:avLst/>
+            </a:prstGeom>
+            <a:noFill/>
+            <a:ln w="9525">
+              <a:noFill/>
+            </a:ln>
+          </p:spPr>
+        </p:pic>
+        <p:sp>
+          <p:nvSpPr>
+            <p:cNvPr id="11293" name="文本框 19"/>
+            <p:cNvSpPr txBox="1"/>
+            <p:nvPr/>
+          </p:nvSpPr>
+          <p:spPr>
+            <a:xfrm>
+              <a:off x="475125" y="202085"/>
+              <a:ext cx="290189" cy="588870"/>
+            </a:xfrm>
+            <a:prstGeom prst="rect">
+              <a:avLst/>
+            </a:prstGeom>
+            <a:noFill/>
+            <a:ln w="9525">
+              <a:noFill/>
+            </a:ln>
+          </p:spPr>
+          <p:txBody>
+            <a:bodyPr>
+              <a:spAutoFit/>
+            </a:bodyPr>
+            <a:lstStyle/>
+            <a:p>
+              <a:pPr lvl="0" algn="ctr" eaLnBrk="1" hangingPunct="1"/>
+              <a:r>
+                <a:rPr lang="en-US" altLang="zh-CN" sz="2800" dirty="0" smtClean="0">
+                  <a:solidFill>
+                    <a:schemeClr val="bg1"/>
+                  </a:solidFill>
+                  <a:latin typeface="Impact" panose="020B0806030902050204" pitchFamily="34" charset="0"/>
+                  <a:ea typeface="MS PMincho" panose="02020600040205080304" pitchFamily="18" charset="-128"/>
+                </a:rPr>
+                <a:t>3</a:t>
+              </a:r>
+              <a:endParaRPr lang="zh-CN" altLang="en-US" sz="2800" dirty="0">
                 <a:solidFill>
-                  <a:schemeClr val="accent3"/>
+                  <a:schemeClr val="bg1"/>
                 </a:solidFill>
-                <a:effectLst/>
-                <a:uLnTx/>
-                <a:uFillTx/>
-                <a:latin typeface="方正兰亭细黑_GBK" panose="02000000000000000000" pitchFamily="2" charset="-122"/>
-                <a:ea typeface="方正兰亭细黑_GBK" panose="02000000000000000000" pitchFamily="2" charset="-122"/>
-                <a:cs typeface="+mn-cs"/>
-              </a:rPr>
-              <a:t>感谢您的聆听</a:t>
-            </a:r>
-            <a:endParaRPr kumimoji="0" lang="zh-CN" altLang="en-US" sz="3200" b="0" i="0" u="none" strike="noStrike" kern="1200" cap="none" spc="0" normalizeH="0" baseline="0" noProof="0" dirty="0">
-              <a:ln>
-                <a:noFill/>
-              </a:ln>
-              <a:solidFill>
-                <a:schemeClr val="accent3"/>
-              </a:solidFill>
-              <a:effectLst/>
-              <a:uLnTx/>
-              <a:uFillTx/>
-              <a:latin typeface="方正兰亭细黑_GBK" panose="02000000000000000000" pitchFamily="2" charset="-122"/>
-              <a:ea typeface="方正兰亭细黑_GBK" panose="02000000000000000000" pitchFamily="2" charset="-122"/>
-              <a:cs typeface="+mn-cs"/>
-            </a:endParaRPr>
-          </a:p>
-        </p:txBody>
-      </p:sp>
+                <a:latin typeface="Impact" panose="020B0806030902050204" pitchFamily="34" charset="0"/>
+                <a:ea typeface="MS PMincho" panose="02020600040205080304" pitchFamily="18" charset="-128"/>
+              </a:endParaRPr>
+            </a:p>
+          </p:txBody>
+        </p:sp>
+      </p:grpSp>
     </p:spTree>
+    <p:custDataLst>
+      <p:tags r:id="rId1"/>
+    </p:custDataLst>
   </p:cSld>
   <p:clrMapOvr>
     <a:masterClrMapping/>
@@ -5650,6 +5825,17 @@
 </file>
 
 <file path=ppt/tags/tag7.xml><?xml version="1.0" encoding="utf-8"?>
+<p:tagLst xmlns:a="http://schemas.openxmlformats.org/drawingml/2006/main" xmlns:r="http://schemas.openxmlformats.org/officeDocument/2006/relationships" xmlns:p="http://schemas.openxmlformats.org/presentationml/2006/main">
+  <p:tag name="MH_TYPE" val="#NeiR#"/>
+  <p:tag name="MH_NUMBER" val="5"/>
+  <p:tag name="MH_CATEGORY" val="#LiuChBZh#"/>
+  <p:tag name="MH_LAYOUT" val="SubTitleText"/>
+  <p:tag name="MH" val="20151008134206"/>
+  <p:tag name="MH_LIBRARY" val="GRAPHIC"/>
+</p:tagLst>
+</file>
+
+<file path=ppt/tags/tag8.xml><?xml version="1.0" encoding="utf-8"?>
 <p:tagLst xmlns:a="http://schemas.openxmlformats.org/drawingml/2006/main" xmlns:r="http://schemas.openxmlformats.org/officeDocument/2006/relationships" xmlns:p="http://schemas.openxmlformats.org/presentationml/2006/main">
   <p:tag name="MH_TYPE" val="#NeiR#"/>
   <p:tag name="MH_NUMBER" val="5"/>
@@ -5855,7 +6041,7 @@
   <a:extraClrSchemeLst/>
   <a:extLst>
     <a:ext uri="{05A4C25C-085E-4340-85A3-A5531E510DB2}">
-      <thm15:themeFamily xmlns="" xmlns:thm15="http://schemas.microsoft.com/office/thememl/2012/main" name="Office Theme" id="{62F939B6-93AF-4DB8-9C6B-D6C7DFDC589F}" vid="{4A3C46E8-61CC-4603-A589-7422A47A8E4A}"/>
+      <thm15:themeFamily xmlns:thm15="http://schemas.microsoft.com/office/thememl/2012/main" xmlns="" name="Office Theme" id="{62F939B6-93AF-4DB8-9C6B-D6C7DFDC589F}" vid="{4A3C46E8-61CC-4603-A589-7422A47A8E4A}"/>
     </a:ext>
   </a:extLst>
 </a:theme>
@@ -6116,7 +6302,7 @@
   <a:extraClrSchemeLst/>
   <a:extLst>
     <a:ext uri="{05A4C25C-085E-4340-85A3-A5531E510DB2}">
-      <thm15:themeFamily xmlns="" xmlns:thm15="http://schemas.microsoft.com/office/thememl/2012/main" name="Office Theme" id="{62F939B6-93AF-4DB8-9C6B-D6C7DFDC589F}" vid="{4A3C46E8-61CC-4603-A589-7422A47A8E4A}"/>
+      <thm15:themeFamily xmlns:thm15="http://schemas.microsoft.com/office/thememl/2012/main" xmlns="" name="Office Theme" id="{62F939B6-93AF-4DB8-9C6B-D6C7DFDC589F}" vid="{4A3C46E8-61CC-4603-A589-7422A47A8E4A}"/>
     </a:ext>
   </a:extLst>
 </a:theme>
